--- a/assets/lectures/cbw/2020/full/RNASeq_Module0_Introductions.pptx
+++ b/assets/lectures/cbw/2020/full/RNASeq_Module0_Introductions.pptx
@@ -5,18 +5,17 @@
     <p:sldMasterId id="2147483648" r:id="rId1"/>
   </p:sldMasterIdLst>
   <p:notesMasterIdLst>
-    <p:notesMasterId r:id="rId8"/>
+    <p:notesMasterId r:id="rId7"/>
   </p:notesMasterIdLst>
   <p:handoutMasterIdLst>
-    <p:handoutMasterId r:id="rId9"/>
+    <p:handoutMasterId r:id="rId8"/>
   </p:handoutMasterIdLst>
   <p:sldIdLst>
     <p:sldId id="256" r:id="rId2"/>
     <p:sldId id="257" r:id="rId3"/>
     <p:sldId id="561" r:id="rId4"/>
-    <p:sldId id="578" r:id="rId5"/>
-    <p:sldId id="579" r:id="rId6"/>
-    <p:sldId id="260" r:id="rId7"/>
+    <p:sldId id="579" r:id="rId5"/>
+    <p:sldId id="260" r:id="rId6"/>
   </p:sldIdLst>
   <p:sldSz cx="12192000" cy="6858000"/>
   <p:notesSz cx="7315200" cy="9601200"/>
@@ -267,7 +266,7 @@
               <a:pPr>
                 <a:defRPr/>
               </a:pPr>
-              <a:t>6/15/20</a:t>
+              <a:t>6/16/20</a:t>
             </a:fld>
             <a:endParaRPr lang="en-US"/>
           </a:p>
@@ -474,7 +473,7 @@
               <a:pPr>
                 <a:defRPr/>
               </a:pPr>
-              <a:t>6/15/20</a:t>
+              <a:t>6/16/20</a:t>
             </a:fld>
             <a:endParaRPr lang="en-US"/>
           </a:p>
@@ -1170,7 +1169,7 @@
             </a:pPr>
             <a:fld id="{00000000-1234-1234-1234-123412341234}" type="slidenum">
               <a:rPr lang="en-US"/>
-              <a:t>6</a:t>
+              <a:t>5</a:t>
             </a:fld>
             <a:endParaRPr/>
           </a:p>
@@ -1296,14 +1295,14 @@
           </a:ln>
           <a:extLst>
             <a:ext uri="{909E8E84-426E-40dd-AFC4-6F175D3DCCD1}">
-              <a14:hiddenFill xmlns="" xmlns:a14="http://schemas.microsoft.com/office/drawing/2010/main">
+              <a14:hiddenFill xmlns:a14="http://schemas.microsoft.com/office/drawing/2010/main" xmlns="">
                 <a:solidFill>
                   <a:srgbClr val="FFFFFF"/>
                 </a:solidFill>
               </a14:hiddenFill>
             </a:ext>
             <a:ext uri="{91240B29-F687-4f45-9708-019B960494DF}">
-              <a14:hiddenLine xmlns="" xmlns:a14="http://schemas.microsoft.com/office/drawing/2010/main" w="9525">
+              <a14:hiddenLine xmlns:a14="http://schemas.microsoft.com/office/drawing/2010/main" xmlns="" w="9525">
                 <a:solidFill>
                   <a:srgbClr val="000000"/>
                 </a:solidFill>
@@ -3127,14 +3126,14 @@
           </a:ln>
           <a:extLst>
             <a:ext uri="{909E8E84-426E-40dd-AFC4-6F175D3DCCD1}">
-              <a14:hiddenFill xmlns="" xmlns:a14="http://schemas.microsoft.com/office/drawing/2010/main">
+              <a14:hiddenFill xmlns:a14="http://schemas.microsoft.com/office/drawing/2010/main" xmlns="">
                 <a:solidFill>
                   <a:srgbClr val="FFFFFF"/>
                 </a:solidFill>
               </a14:hiddenFill>
             </a:ext>
             <a:ext uri="{91240B29-F687-4f45-9708-019B960494DF}">
-              <a14:hiddenLine xmlns="" xmlns:a14="http://schemas.microsoft.com/office/drawing/2010/main" w="9525">
+              <a14:hiddenLine xmlns:a14="http://schemas.microsoft.com/office/drawing/2010/main" xmlns="" w="9525">
                 <a:solidFill>
                   <a:srgbClr val="000000"/>
                 </a:solidFill>
@@ -3144,7 +3143,7 @@
               </a14:hiddenLine>
             </a:ext>
             <a:ext uri="{FAA26D3D-D897-4be2-8F04-BA451C77F1D7}">
-              <ma14:placeholderFlag xmlns="" xmlns:ma14="http://schemas.microsoft.com/office/mac/drawingml/2011/main" val="1"/>
+              <ma14:placeholderFlag xmlns:ma14="http://schemas.microsoft.com/office/mac/drawingml/2011/main" xmlns="" val="1"/>
             </a:ext>
           </a:extLst>
         </p:spPr>
@@ -3188,14 +3187,14 @@
           </a:ln>
           <a:extLst>
             <a:ext uri="{909E8E84-426E-40dd-AFC4-6F175D3DCCD1}">
-              <a14:hiddenFill xmlns="" xmlns:a14="http://schemas.microsoft.com/office/drawing/2010/main">
+              <a14:hiddenFill xmlns:a14="http://schemas.microsoft.com/office/drawing/2010/main" xmlns="">
                 <a:solidFill>
                   <a:srgbClr val="FFFFFF"/>
                 </a:solidFill>
               </a14:hiddenFill>
             </a:ext>
             <a:ext uri="{91240B29-F687-4f45-9708-019B960494DF}">
-              <a14:hiddenLine xmlns="" xmlns:a14="http://schemas.microsoft.com/office/drawing/2010/main" w="9525">
+              <a14:hiddenLine xmlns:a14="http://schemas.microsoft.com/office/drawing/2010/main" xmlns="" w="9525">
                 <a:solidFill>
                   <a:srgbClr val="000000"/>
                 </a:solidFill>
@@ -3205,7 +3204,7 @@
               </a14:hiddenLine>
             </a:ext>
             <a:ext uri="{FAA26D3D-D897-4be2-8F04-BA451C77F1D7}">
-              <ma14:placeholderFlag xmlns="" xmlns:ma14="http://schemas.microsoft.com/office/mac/drawingml/2011/main" val="1"/>
+              <ma14:placeholderFlag xmlns:ma14="http://schemas.microsoft.com/office/mac/drawingml/2011/main" xmlns="" val="1"/>
             </a:ext>
           </a:extLst>
         </p:spPr>
@@ -3341,14 +3340,14 @@
           </a:ln>
           <a:extLst>
             <a:ext uri="{909E8E84-426E-40dd-AFC4-6F175D3DCCD1}">
-              <a14:hiddenFill xmlns="" xmlns:a14="http://schemas.microsoft.com/office/drawing/2010/main">
+              <a14:hiddenFill xmlns:a14="http://schemas.microsoft.com/office/drawing/2010/main" xmlns="">
                 <a:solidFill>
                   <a:srgbClr val="FFFFFF"/>
                 </a:solidFill>
               </a14:hiddenFill>
             </a:ext>
             <a:ext uri="{91240B29-F687-4f45-9708-019B960494DF}">
-              <a14:hiddenLine xmlns="" xmlns:a14="http://schemas.microsoft.com/office/drawing/2010/main" w="9525">
+              <a14:hiddenLine xmlns:a14="http://schemas.microsoft.com/office/drawing/2010/main" xmlns="" w="9525">
                 <a:solidFill>
                   <a:srgbClr val="000000"/>
                 </a:solidFill>
@@ -5187,8 +5186,8 @@
         </p:nvSpPr>
         <p:spPr>
           <a:xfrm>
-            <a:off x="1676400" y="43334"/>
-            <a:ext cx="8839200" cy="1143000"/>
+            <a:off x="1676400" y="-27384"/>
+            <a:ext cx="8839200" cy="792088"/>
           </a:xfrm>
         </p:spPr>
         <p:txBody>
@@ -5197,7 +5196,7 @@
           <a:p>
             <a:r>
               <a:rPr lang="en-US" dirty="0"/>
-              <a:t>Informatics background poll</a:t>
+              <a:t>Student poll continued</a:t>
             </a:r>
           </a:p>
         </p:txBody>
@@ -5214,112 +5213,103 @@
         </p:nvSpPr>
         <p:spPr>
           <a:xfrm>
-            <a:off x="479376" y="1440904"/>
-            <a:ext cx="10036224" cy="4724400"/>
+            <a:off x="551384" y="908720"/>
+            <a:ext cx="9964216" cy="5300464"/>
           </a:xfrm>
         </p:spPr>
         <p:txBody>
-          <a:bodyPr>
-            <a:normAutofit/>
-          </a:bodyPr>
+          <a:bodyPr/>
           <a:lstStyle/>
           <a:p>
+            <a:pPr marL="0" indent="0">
+              <a:buNone/>
+            </a:pPr>
             <a:r>
               <a:rPr lang="en-US" sz="2400" dirty="0"/>
-              <a:t>Student poll</a:t>
+              <a:t>Not counting the pre-requisites and materials for this course:</a:t>
+            </a:r>
+          </a:p>
+          <a:p>
+            <a:r>
+              <a:rPr lang="en-US" dirty="0"/>
+              <a:t>Do you consider yourself a bioinformatician?</a:t>
+            </a:r>
+          </a:p>
+          <a:p>
+            <a:r>
+              <a:rPr lang="en-US" dirty="0"/>
+              <a:t>Are you familiar with </a:t>
+            </a:r>
+            <a:r>
+              <a:rPr lang="en-US" dirty="0" err="1"/>
+              <a:t>linux</a:t>
+            </a:r>
+            <a:r>
+              <a:rPr lang="en-US" dirty="0"/>
+              <a:t>/command line?</a:t>
             </a:r>
           </a:p>
           <a:p>
             <a:pPr lvl="1"/>
             <a:r>
               <a:rPr lang="en-US" sz="2000" dirty="0"/>
-              <a:t>Are you doing genomics research?</a:t>
+              <a:t>Intermediate? </a:t>
             </a:r>
           </a:p>
           <a:p>
             <a:pPr lvl="1"/>
             <a:r>
               <a:rPr lang="en-US" sz="2000" dirty="0"/>
-              <a:t>Do you consider yourself a </a:t>
-            </a:r>
-            <a:r>
-              <a:rPr lang="en-US" sz="2000" dirty="0" err="1"/>
-              <a:t>bioinformatician</a:t>
-            </a:r>
+              <a:t>Expert?</a:t>
+            </a:r>
+          </a:p>
+          <a:p>
+            <a:r>
+              <a:rPr lang="en-US" dirty="0"/>
+              <a:t>Do you sometimes write code?</a:t>
+            </a:r>
+          </a:p>
+          <a:p>
+            <a:r>
+              <a:rPr lang="en-US" dirty="0"/>
+              <a:t>Are you familiar with R?</a:t>
+            </a:r>
+          </a:p>
+          <a:p>
+            <a:pPr lvl="1"/>
             <a:r>
               <a:rPr lang="en-US" sz="2000" dirty="0"/>
+              <a:t>Intermediate?</a:t>
+            </a:r>
+          </a:p>
+          <a:p>
+            <a:pPr lvl="1"/>
+            <a:r>
+              <a:rPr lang="en-US" sz="2000" dirty="0"/>
+              <a:t>Expert?</a:t>
+            </a:r>
+          </a:p>
+          <a:p>
+            <a:r>
+              <a:rPr lang="en-US" dirty="0"/>
+              <a:t>Do you use git/</a:t>
+            </a:r>
+            <a:r>
+              <a:rPr lang="en-US" dirty="0" err="1"/>
+              <a:t>github</a:t>
+            </a:r>
+            <a:r>
+              <a:rPr lang="en-US" dirty="0"/>
               <a:t>?</a:t>
             </a:r>
           </a:p>
           <a:p>
-            <a:pPr lvl="1"/>
-            <a:r>
-              <a:rPr lang="en-US" sz="2000" dirty="0"/>
-              <a:t>What kind of NGS data are you working with?</a:t>
-            </a:r>
-          </a:p>
-          <a:p>
-            <a:pPr lvl="2"/>
-            <a:r>
-              <a:rPr lang="en-US" sz="1800" dirty="0"/>
-              <a:t>WGS?</a:t>
-            </a:r>
-          </a:p>
-          <a:p>
-            <a:pPr lvl="2"/>
-            <a:r>
-              <a:rPr lang="en-US" sz="1800" dirty="0"/>
-              <a:t>Exome?</a:t>
-            </a:r>
-          </a:p>
-          <a:p>
-            <a:pPr lvl="2"/>
-            <a:r>
-              <a:rPr lang="en-US" sz="1800" dirty="0" err="1"/>
-              <a:t>RNAseq</a:t>
-            </a:r>
-            <a:r>
-              <a:rPr lang="en-US" sz="1800" dirty="0"/>
-              <a:t>?</a:t>
-            </a:r>
-          </a:p>
-          <a:p>
-            <a:pPr lvl="2"/>
-            <a:r>
-              <a:rPr lang="en-US" sz="1800" dirty="0" err="1"/>
-              <a:t>Epigenome</a:t>
-            </a:r>
-            <a:r>
-              <a:rPr lang="en-US" sz="1800" dirty="0"/>
-              <a:t>?</a:t>
-            </a:r>
-          </a:p>
-          <a:p>
-            <a:pPr lvl="2"/>
-            <a:r>
-              <a:rPr lang="en-US" sz="1800" dirty="0"/>
-              <a:t>Single cell?</a:t>
-            </a:r>
-          </a:p>
-          <a:p>
-            <a:pPr lvl="2"/>
-            <a:r>
-              <a:rPr lang="en-US" sz="1800" dirty="0"/>
-              <a:t>Other?</a:t>
-            </a:r>
-          </a:p>
-          <a:p>
-            <a:pPr lvl="1"/>
-            <a:r>
-              <a:rPr lang="en-US" sz="2000" dirty="0"/>
+            <a:endParaRPr lang="en-US" sz="2400" dirty="0"/>
+          </a:p>
+          <a:p>
+            <a:r>
+              <a:rPr lang="en-US" dirty="0"/>
               <a:t>What organism do you work with?</a:t>
-            </a:r>
-          </a:p>
-          <a:p>
-            <a:pPr lvl="1"/>
-            <a:r>
-              <a:rPr lang="en-US" sz="2000" dirty="0"/>
-              <a:t>Did you bring data?</a:t>
             </a:r>
           </a:p>
         </p:txBody>
@@ -5327,7 +5317,7 @@
     </p:spTree>
     <p:extLst>
       <p:ext uri="{BB962C8B-B14F-4D97-AF65-F5344CB8AC3E}">
-        <p14:creationId xmlns:p14="http://schemas.microsoft.com/office/powerpoint/2010/main" val="4031845394"/>
+        <p14:creationId xmlns:p14="http://schemas.microsoft.com/office/powerpoint/2010/main" val="3283091082"/>
       </p:ext>
     </p:extLst>
   </p:cSld>
@@ -5370,7 +5360,7 @@
                                         <p:tgtEl>
                                           <p:spTgt spid="3">
                                             <p:txEl>
-                                              <p:pRg st="0" end="0"/>
+                                              <p:pRg st="3" end="3"/>
                                             </p:txEl>
                                           </p:spTgt>
                                         </p:tgtEl>
@@ -5419,7 +5409,7 @@
                                         <p:tgtEl>
                                           <p:spTgt spid="3">
                                             <p:txEl>
-                                              <p:pRg st="1" end="1"/>
+                                              <p:pRg st="4" end="4"/>
                                             </p:txEl>
                                           </p:spTgt>
                                         </p:tgtEl>
@@ -5468,7 +5458,7 @@
                                         <p:tgtEl>
                                           <p:spTgt spid="3">
                                             <p:txEl>
-                                              <p:pRg st="2" end="2"/>
+                                              <p:pRg st="5" end="5"/>
                                             </p:txEl>
                                           </p:spTgt>
                                         </p:tgtEl>
@@ -5517,135 +5507,6 @@
                                         <p:tgtEl>
                                           <p:spTgt spid="3">
                                             <p:txEl>
-                                              <p:pRg st="3" end="3"/>
-                                            </p:txEl>
-                                          </p:spTgt>
-                                        </p:tgtEl>
-                                        <p:attrNameLst>
-                                          <p:attrName>style.visibility</p:attrName>
-                                        </p:attrNameLst>
-                                      </p:cBhvr>
-                                      <p:to>
-                                        <p:strVal val="visible"/>
-                                      </p:to>
-                                    </p:set>
-                                  </p:childTnLst>
-                                </p:cTn>
-                              </p:par>
-                              <p:par>
-                                <p:cTn id="19" presetID="1" presetClass="entr" presetSubtype="0" fill="hold" nodeType="withEffect">
-                                  <p:stCondLst>
-                                    <p:cond delay="0"/>
-                                  </p:stCondLst>
-                                  <p:childTnLst>
-                                    <p:set>
-                                      <p:cBhvr>
-                                        <p:cTn id="20" dur="1" fill="hold">
-                                          <p:stCondLst>
-                                            <p:cond delay="0"/>
-                                          </p:stCondLst>
-                                        </p:cTn>
-                                        <p:tgtEl>
-                                          <p:spTgt spid="3">
-                                            <p:txEl>
-                                              <p:pRg st="4" end="4"/>
-                                            </p:txEl>
-                                          </p:spTgt>
-                                        </p:tgtEl>
-                                        <p:attrNameLst>
-                                          <p:attrName>style.visibility</p:attrName>
-                                        </p:attrNameLst>
-                                      </p:cBhvr>
-                                      <p:to>
-                                        <p:strVal val="visible"/>
-                                      </p:to>
-                                    </p:set>
-                                  </p:childTnLst>
-                                </p:cTn>
-                              </p:par>
-                            </p:childTnLst>
-                          </p:cTn>
-                        </p:par>
-                      </p:childTnLst>
-                    </p:cTn>
-                  </p:par>
-                  <p:par>
-                    <p:cTn id="21" fill="hold">
-                      <p:stCondLst>
-                        <p:cond delay="indefinite"/>
-                      </p:stCondLst>
-                      <p:childTnLst>
-                        <p:par>
-                          <p:cTn id="22" fill="hold">
-                            <p:stCondLst>
-                              <p:cond delay="0"/>
-                            </p:stCondLst>
-                            <p:childTnLst>
-                              <p:par>
-                                <p:cTn id="23" presetID="1" presetClass="entr" presetSubtype="0" fill="hold" nodeType="clickEffect">
-                                  <p:stCondLst>
-                                    <p:cond delay="0"/>
-                                  </p:stCondLst>
-                                  <p:childTnLst>
-                                    <p:set>
-                                      <p:cBhvr>
-                                        <p:cTn id="24" dur="1" fill="hold">
-                                          <p:stCondLst>
-                                            <p:cond delay="0"/>
-                                          </p:stCondLst>
-                                        </p:cTn>
-                                        <p:tgtEl>
-                                          <p:spTgt spid="3">
-                                            <p:txEl>
-                                              <p:pRg st="5" end="5"/>
-                                            </p:txEl>
-                                          </p:spTgt>
-                                        </p:tgtEl>
-                                        <p:attrNameLst>
-                                          <p:attrName>style.visibility</p:attrName>
-                                        </p:attrNameLst>
-                                      </p:cBhvr>
-                                      <p:to>
-                                        <p:strVal val="visible"/>
-                                      </p:to>
-                                    </p:set>
-                                  </p:childTnLst>
-                                </p:cTn>
-                              </p:par>
-                            </p:childTnLst>
-                          </p:cTn>
-                        </p:par>
-                      </p:childTnLst>
-                    </p:cTn>
-                  </p:par>
-                  <p:par>
-                    <p:cTn id="25" fill="hold">
-                      <p:stCondLst>
-                        <p:cond delay="indefinite"/>
-                      </p:stCondLst>
-                      <p:childTnLst>
-                        <p:par>
-                          <p:cTn id="26" fill="hold">
-                            <p:stCondLst>
-                              <p:cond delay="0"/>
-                            </p:stCondLst>
-                            <p:childTnLst>
-                              <p:par>
-                                <p:cTn id="27" presetID="1" presetClass="entr" presetSubtype="0" fill="hold" nodeType="clickEffect">
-                                  <p:stCondLst>
-                                    <p:cond delay="0"/>
-                                  </p:stCondLst>
-                                  <p:childTnLst>
-                                    <p:set>
-                                      <p:cBhvr>
-                                        <p:cTn id="28" dur="1" fill="hold">
-                                          <p:stCondLst>
-                                            <p:cond delay="0"/>
-                                          </p:stCondLst>
-                                        </p:cTn>
-                                        <p:tgtEl>
-                                          <p:spTgt spid="3">
-                                            <p:txEl>
                                               <p:pRg st="6" end="6"/>
                                             </p:txEl>
                                           </p:spTgt>
@@ -5668,26 +5529,26 @@
                     </p:cTn>
                   </p:par>
                   <p:par>
-                    <p:cTn id="29" fill="hold">
+                    <p:cTn id="19" fill="hold">
                       <p:stCondLst>
                         <p:cond delay="indefinite"/>
                       </p:stCondLst>
                       <p:childTnLst>
                         <p:par>
-                          <p:cTn id="30" fill="hold">
+                          <p:cTn id="20" fill="hold">
                             <p:stCondLst>
                               <p:cond delay="0"/>
                             </p:stCondLst>
                             <p:childTnLst>
                               <p:par>
-                                <p:cTn id="31" presetID="1" presetClass="entr" presetSubtype="0" fill="hold" nodeType="clickEffect">
+                                <p:cTn id="21" presetID="1" presetClass="entr" presetSubtype="0" fill="hold" nodeType="clickEffect">
                                   <p:stCondLst>
                                     <p:cond delay="0"/>
                                   </p:stCondLst>
                                   <p:childTnLst>
                                     <p:set>
                                       <p:cBhvr>
-                                        <p:cTn id="32" dur="1" fill="hold">
+                                        <p:cTn id="22" dur="1" fill="hold">
                                           <p:stCondLst>
                                             <p:cond delay="0"/>
                                           </p:stCondLst>
@@ -5717,26 +5578,26 @@
                     </p:cTn>
                   </p:par>
                   <p:par>
-                    <p:cTn id="33" fill="hold">
+                    <p:cTn id="23" fill="hold">
                       <p:stCondLst>
                         <p:cond delay="indefinite"/>
                       </p:stCondLst>
                       <p:childTnLst>
                         <p:par>
-                          <p:cTn id="34" fill="hold">
+                          <p:cTn id="24" fill="hold">
                             <p:stCondLst>
                               <p:cond delay="0"/>
                             </p:stCondLst>
                             <p:childTnLst>
                               <p:par>
-                                <p:cTn id="35" presetID="1" presetClass="entr" presetSubtype="0" fill="hold" nodeType="clickEffect">
+                                <p:cTn id="25" presetID="1" presetClass="entr" presetSubtype="0" fill="hold" nodeType="clickEffect">
                                   <p:stCondLst>
                                     <p:cond delay="0"/>
                                   </p:stCondLst>
                                   <p:childTnLst>
                                     <p:set>
                                       <p:cBhvr>
-                                        <p:cTn id="36" dur="1" fill="hold">
+                                        <p:cTn id="26" dur="1" fill="hold">
                                           <p:stCondLst>
                                             <p:cond delay="0"/>
                                           </p:stCondLst>
@@ -5766,26 +5627,26 @@
                     </p:cTn>
                   </p:par>
                   <p:par>
-                    <p:cTn id="37" fill="hold">
+                    <p:cTn id="27" fill="hold">
                       <p:stCondLst>
                         <p:cond delay="indefinite"/>
                       </p:stCondLst>
                       <p:childTnLst>
                         <p:par>
-                          <p:cTn id="38" fill="hold">
+                          <p:cTn id="28" fill="hold">
                             <p:stCondLst>
                               <p:cond delay="0"/>
                             </p:stCondLst>
                             <p:childTnLst>
                               <p:par>
-                                <p:cTn id="39" presetID="1" presetClass="entr" presetSubtype="0" fill="hold" nodeType="clickEffect">
+                                <p:cTn id="29" presetID="1" presetClass="entr" presetSubtype="0" fill="hold" nodeType="clickEffect">
                                   <p:stCondLst>
                                     <p:cond delay="0"/>
                                   </p:stCondLst>
                                   <p:childTnLst>
                                     <p:set>
                                       <p:cBhvr>
-                                        <p:cTn id="40" dur="1" fill="hold">
+                                        <p:cTn id="30" dur="1" fill="hold">
                                           <p:stCondLst>
                                             <p:cond delay="0"/>
                                           </p:stCondLst>
@@ -5815,75 +5676,26 @@
                     </p:cTn>
                   </p:par>
                   <p:par>
-                    <p:cTn id="41" fill="hold">
+                    <p:cTn id="31" fill="hold">
                       <p:stCondLst>
                         <p:cond delay="indefinite"/>
                       </p:stCondLst>
                       <p:childTnLst>
                         <p:par>
-                          <p:cTn id="42" fill="hold">
+                          <p:cTn id="32" fill="hold">
                             <p:stCondLst>
                               <p:cond delay="0"/>
                             </p:stCondLst>
                             <p:childTnLst>
                               <p:par>
-                                <p:cTn id="43" presetID="1" presetClass="entr" presetSubtype="0" fill="hold" nodeType="clickEffect">
+                                <p:cTn id="33" presetID="1" presetClass="entr" presetSubtype="0" fill="hold" nodeType="clickEffect">
                                   <p:stCondLst>
                                     <p:cond delay="0"/>
                                   </p:stCondLst>
                                   <p:childTnLst>
                                     <p:set>
                                       <p:cBhvr>
-                                        <p:cTn id="44" dur="1" fill="hold">
-                                          <p:stCondLst>
-                                            <p:cond delay="0"/>
-                                          </p:stCondLst>
-                                        </p:cTn>
-                                        <p:tgtEl>
-                                          <p:spTgt spid="3">
-                                            <p:txEl>
-                                              <p:pRg st="10" end="10"/>
-                                            </p:txEl>
-                                          </p:spTgt>
-                                        </p:tgtEl>
-                                        <p:attrNameLst>
-                                          <p:attrName>style.visibility</p:attrName>
-                                        </p:attrNameLst>
-                                      </p:cBhvr>
-                                      <p:to>
-                                        <p:strVal val="visible"/>
-                                      </p:to>
-                                    </p:set>
-                                  </p:childTnLst>
-                                </p:cTn>
-                              </p:par>
-                            </p:childTnLst>
-                          </p:cTn>
-                        </p:par>
-                      </p:childTnLst>
-                    </p:cTn>
-                  </p:par>
-                  <p:par>
-                    <p:cTn id="45" fill="hold">
-                      <p:stCondLst>
-                        <p:cond delay="indefinite"/>
-                      </p:stCondLst>
-                      <p:childTnLst>
-                        <p:par>
-                          <p:cTn id="46" fill="hold">
-                            <p:stCondLst>
-                              <p:cond delay="0"/>
-                            </p:stCondLst>
-                            <p:childTnLst>
-                              <p:par>
-                                <p:cTn id="47" presetID="1" presetClass="entr" presetSubtype="0" fill="hold" nodeType="clickEffect">
-                                  <p:stCondLst>
-                                    <p:cond delay="0"/>
-                                  </p:stCondLst>
-                                  <p:childTnLst>
-                                    <p:set>
-                                      <p:cBhvr>
-                                        <p:cTn id="48" dur="1" fill="hold">
+                                        <p:cTn id="34" dur="1" fill="hold">
                                           <p:stCondLst>
                                             <p:cond delay="0"/>
                                           </p:stCondLst>
@@ -5938,593 +5750,6 @@
 </file>
 
 <file path=ppt/slides/slide5.xml><?xml version="1.0" encoding="utf-8"?>
-<p:sld xmlns:a="http://schemas.openxmlformats.org/drawingml/2006/main" xmlns:r="http://schemas.openxmlformats.org/officeDocument/2006/relationships" xmlns:p="http://schemas.openxmlformats.org/presentationml/2006/main">
-  <p:cSld>
-    <p:spTree>
-      <p:nvGrpSpPr>
-        <p:cNvPr id="1" name=""/>
-        <p:cNvGrpSpPr/>
-        <p:nvPr/>
-      </p:nvGrpSpPr>
-      <p:grpSpPr>
-        <a:xfrm>
-          <a:off x="0" y="0"/>
-          <a:ext cx="0" cy="0"/>
-          <a:chOff x="0" y="0"/>
-          <a:chExt cx="0" cy="0"/>
-        </a:xfrm>
-      </p:grpSpPr>
-      <p:sp>
-        <p:nvSpPr>
-          <p:cNvPr id="2" name="Title 1"/>
-          <p:cNvSpPr>
-            <a:spLocks noGrp="1"/>
-          </p:cNvSpPr>
-          <p:nvPr>
-            <p:ph type="title"/>
-          </p:nvPr>
-        </p:nvSpPr>
-        <p:spPr>
-          <a:xfrm>
-            <a:off x="1676400" y="-27384"/>
-            <a:ext cx="8839200" cy="792088"/>
-          </a:xfrm>
-        </p:spPr>
-        <p:txBody>
-          <a:bodyPr/>
-          <a:lstStyle/>
-          <a:p>
-            <a:r>
-              <a:rPr lang="en-US" dirty="0"/>
-              <a:t>Student poll continued</a:t>
-            </a:r>
-          </a:p>
-        </p:txBody>
-      </p:sp>
-      <p:sp>
-        <p:nvSpPr>
-          <p:cNvPr id="3" name="Content Placeholder 2"/>
-          <p:cNvSpPr>
-            <a:spLocks noGrp="1"/>
-          </p:cNvSpPr>
-          <p:nvPr>
-            <p:ph idx="1"/>
-          </p:nvPr>
-        </p:nvSpPr>
-        <p:spPr>
-          <a:xfrm>
-            <a:off x="551384" y="908720"/>
-            <a:ext cx="9964216" cy="5300464"/>
-          </a:xfrm>
-        </p:spPr>
-        <p:txBody>
-          <a:bodyPr/>
-          <a:lstStyle/>
-          <a:p>
-            <a:pPr marL="0" indent="0">
-              <a:buNone/>
-            </a:pPr>
-            <a:r>
-              <a:rPr lang="en-US" sz="2400" dirty="0"/>
-              <a:t>Not counting the pre-requisites and materials for this course:</a:t>
-            </a:r>
-          </a:p>
-          <a:p>
-            <a:r>
-              <a:rPr lang="en-US" sz="2400" dirty="0"/>
-              <a:t>Are you familiar with </a:t>
-            </a:r>
-            <a:r>
-              <a:rPr lang="en-US" sz="2400" dirty="0" err="1"/>
-              <a:t>linux</a:t>
-            </a:r>
-            <a:r>
-              <a:rPr lang="en-US" sz="2400" dirty="0"/>
-              <a:t>/command line?</a:t>
-            </a:r>
-          </a:p>
-          <a:p>
-            <a:pPr lvl="1"/>
-            <a:r>
-              <a:rPr lang="en-US" sz="2000" dirty="0"/>
-              <a:t>Intermediate? </a:t>
-            </a:r>
-          </a:p>
-          <a:p>
-            <a:pPr lvl="1"/>
-            <a:r>
-              <a:rPr lang="en-US" sz="2000" dirty="0"/>
-              <a:t>Expert?</a:t>
-            </a:r>
-          </a:p>
-          <a:p>
-            <a:r>
-              <a:rPr lang="en-US" sz="2400" dirty="0"/>
-              <a:t>Do you sometimes write code?</a:t>
-            </a:r>
-          </a:p>
-          <a:p>
-            <a:pPr lvl="1"/>
-            <a:r>
-              <a:rPr lang="en-US" sz="2000" dirty="0"/>
-              <a:t>What language?</a:t>
-            </a:r>
-          </a:p>
-          <a:p>
-            <a:r>
-              <a:rPr lang="en-US" sz="2400" dirty="0"/>
-              <a:t>Are you familiar with R?</a:t>
-            </a:r>
-          </a:p>
-          <a:p>
-            <a:pPr lvl="1"/>
-            <a:r>
-              <a:rPr lang="en-US" sz="2000" dirty="0"/>
-              <a:t>Intermediate?</a:t>
-            </a:r>
-          </a:p>
-          <a:p>
-            <a:pPr lvl="1"/>
-            <a:r>
-              <a:rPr lang="en-US" sz="2000" dirty="0"/>
-              <a:t>Expert?</a:t>
-            </a:r>
-          </a:p>
-          <a:p>
-            <a:r>
-              <a:rPr lang="en-US" sz="2400" dirty="0"/>
-              <a:t>Do you use git/</a:t>
-            </a:r>
-            <a:r>
-              <a:rPr lang="en-US" sz="2400" dirty="0" err="1"/>
-              <a:t>github</a:t>
-            </a:r>
-            <a:r>
-              <a:rPr lang="en-US" sz="2400" dirty="0"/>
-              <a:t>?</a:t>
-            </a:r>
-          </a:p>
-          <a:p>
-            <a:endParaRPr lang="en-US" sz="2400" dirty="0"/>
-          </a:p>
-        </p:txBody>
-      </p:sp>
-    </p:spTree>
-    <p:extLst>
-      <p:ext uri="{BB962C8B-B14F-4D97-AF65-F5344CB8AC3E}">
-        <p14:creationId xmlns:p14="http://schemas.microsoft.com/office/powerpoint/2010/main" val="3283091082"/>
-      </p:ext>
-    </p:extLst>
-  </p:cSld>
-  <p:clrMapOvr>
-    <a:masterClrMapping/>
-  </p:clrMapOvr>
-  <p:timing>
-    <p:tnLst>
-      <p:par>
-        <p:cTn id="1" dur="indefinite" restart="never" nodeType="tmRoot">
-          <p:childTnLst>
-            <p:seq concurrent="1" nextAc="seek">
-              <p:cTn id="2" dur="indefinite" nodeType="mainSeq">
-                <p:childTnLst>
-                  <p:par>
-                    <p:cTn id="3" fill="hold">
-                      <p:stCondLst>
-                        <p:cond delay="indefinite"/>
-                      </p:stCondLst>
-                      <p:childTnLst>
-                        <p:par>
-                          <p:cTn id="4" fill="hold">
-                            <p:stCondLst>
-                              <p:cond delay="0"/>
-                            </p:stCondLst>
-                            <p:childTnLst>
-                              <p:par>
-                                <p:cTn id="5" presetID="1" presetClass="entr" presetSubtype="0" fill="hold" nodeType="clickEffect">
-                                  <p:stCondLst>
-                                    <p:cond delay="0"/>
-                                  </p:stCondLst>
-                                  <p:childTnLst>
-                                    <p:set>
-                                      <p:cBhvr>
-                                        <p:cTn id="6" dur="1" fill="hold">
-                                          <p:stCondLst>
-                                            <p:cond delay="0"/>
-                                          </p:stCondLst>
-                                        </p:cTn>
-                                        <p:tgtEl>
-                                          <p:spTgt spid="3">
-                                            <p:txEl>
-                                              <p:pRg st="2" end="2"/>
-                                            </p:txEl>
-                                          </p:spTgt>
-                                        </p:tgtEl>
-                                        <p:attrNameLst>
-                                          <p:attrName>style.visibility</p:attrName>
-                                        </p:attrNameLst>
-                                      </p:cBhvr>
-                                      <p:to>
-                                        <p:strVal val="visible"/>
-                                      </p:to>
-                                    </p:set>
-                                  </p:childTnLst>
-                                </p:cTn>
-                              </p:par>
-                            </p:childTnLst>
-                          </p:cTn>
-                        </p:par>
-                      </p:childTnLst>
-                    </p:cTn>
-                  </p:par>
-                  <p:par>
-                    <p:cTn id="7" fill="hold">
-                      <p:stCondLst>
-                        <p:cond delay="indefinite"/>
-                      </p:stCondLst>
-                      <p:childTnLst>
-                        <p:par>
-                          <p:cTn id="8" fill="hold">
-                            <p:stCondLst>
-                              <p:cond delay="0"/>
-                            </p:stCondLst>
-                            <p:childTnLst>
-                              <p:par>
-                                <p:cTn id="9" presetID="1" presetClass="entr" presetSubtype="0" fill="hold" nodeType="clickEffect">
-                                  <p:stCondLst>
-                                    <p:cond delay="0"/>
-                                  </p:stCondLst>
-                                  <p:childTnLst>
-                                    <p:set>
-                                      <p:cBhvr>
-                                        <p:cTn id="10" dur="1" fill="hold">
-                                          <p:stCondLst>
-                                            <p:cond delay="0"/>
-                                          </p:stCondLst>
-                                        </p:cTn>
-                                        <p:tgtEl>
-                                          <p:spTgt spid="3">
-                                            <p:txEl>
-                                              <p:pRg st="3" end="3"/>
-                                            </p:txEl>
-                                          </p:spTgt>
-                                        </p:tgtEl>
-                                        <p:attrNameLst>
-                                          <p:attrName>style.visibility</p:attrName>
-                                        </p:attrNameLst>
-                                      </p:cBhvr>
-                                      <p:to>
-                                        <p:strVal val="visible"/>
-                                      </p:to>
-                                    </p:set>
-                                  </p:childTnLst>
-                                </p:cTn>
-                              </p:par>
-                            </p:childTnLst>
-                          </p:cTn>
-                        </p:par>
-                      </p:childTnLst>
-                    </p:cTn>
-                  </p:par>
-                  <p:par>
-                    <p:cTn id="11" fill="hold">
-                      <p:stCondLst>
-                        <p:cond delay="indefinite"/>
-                      </p:stCondLst>
-                      <p:childTnLst>
-                        <p:par>
-                          <p:cTn id="12" fill="hold">
-                            <p:stCondLst>
-                              <p:cond delay="0"/>
-                            </p:stCondLst>
-                            <p:childTnLst>
-                              <p:par>
-                                <p:cTn id="13" presetID="1" presetClass="entr" presetSubtype="0" fill="hold" nodeType="clickEffect">
-                                  <p:stCondLst>
-                                    <p:cond delay="0"/>
-                                  </p:stCondLst>
-                                  <p:childTnLst>
-                                    <p:set>
-                                      <p:cBhvr>
-                                        <p:cTn id="14" dur="1" fill="hold">
-                                          <p:stCondLst>
-                                            <p:cond delay="0"/>
-                                          </p:stCondLst>
-                                        </p:cTn>
-                                        <p:tgtEl>
-                                          <p:spTgt spid="3">
-                                            <p:txEl>
-                                              <p:pRg st="4" end="4"/>
-                                            </p:txEl>
-                                          </p:spTgt>
-                                        </p:tgtEl>
-                                        <p:attrNameLst>
-                                          <p:attrName>style.visibility</p:attrName>
-                                        </p:attrNameLst>
-                                      </p:cBhvr>
-                                      <p:to>
-                                        <p:strVal val="visible"/>
-                                      </p:to>
-                                    </p:set>
-                                  </p:childTnLst>
-                                </p:cTn>
-                              </p:par>
-                            </p:childTnLst>
-                          </p:cTn>
-                        </p:par>
-                      </p:childTnLst>
-                    </p:cTn>
-                  </p:par>
-                  <p:par>
-                    <p:cTn id="15" fill="hold">
-                      <p:stCondLst>
-                        <p:cond delay="indefinite"/>
-                      </p:stCondLst>
-                      <p:childTnLst>
-                        <p:par>
-                          <p:cTn id="16" fill="hold">
-                            <p:stCondLst>
-                              <p:cond delay="0"/>
-                            </p:stCondLst>
-                            <p:childTnLst>
-                              <p:par>
-                                <p:cTn id="17" presetID="1" presetClass="entr" presetSubtype="0" fill="hold" nodeType="clickEffect">
-                                  <p:stCondLst>
-                                    <p:cond delay="0"/>
-                                  </p:stCondLst>
-                                  <p:childTnLst>
-                                    <p:set>
-                                      <p:cBhvr>
-                                        <p:cTn id="18" dur="1" fill="hold">
-                                          <p:stCondLst>
-                                            <p:cond delay="0"/>
-                                          </p:stCondLst>
-                                        </p:cTn>
-                                        <p:tgtEl>
-                                          <p:spTgt spid="3">
-                                            <p:txEl>
-                                              <p:pRg st="5" end="5"/>
-                                            </p:txEl>
-                                          </p:spTgt>
-                                        </p:tgtEl>
-                                        <p:attrNameLst>
-                                          <p:attrName>style.visibility</p:attrName>
-                                        </p:attrNameLst>
-                                      </p:cBhvr>
-                                      <p:to>
-                                        <p:strVal val="visible"/>
-                                      </p:to>
-                                    </p:set>
-                                  </p:childTnLst>
-                                </p:cTn>
-                              </p:par>
-                            </p:childTnLst>
-                          </p:cTn>
-                        </p:par>
-                      </p:childTnLst>
-                    </p:cTn>
-                  </p:par>
-                  <p:par>
-                    <p:cTn id="19" fill="hold">
-                      <p:stCondLst>
-                        <p:cond delay="indefinite"/>
-                      </p:stCondLst>
-                      <p:childTnLst>
-                        <p:par>
-                          <p:cTn id="20" fill="hold">
-                            <p:stCondLst>
-                              <p:cond delay="0"/>
-                            </p:stCondLst>
-                            <p:childTnLst>
-                              <p:par>
-                                <p:cTn id="21" presetID="1" presetClass="entr" presetSubtype="0" fill="hold" nodeType="clickEffect">
-                                  <p:stCondLst>
-                                    <p:cond delay="0"/>
-                                  </p:stCondLst>
-                                  <p:childTnLst>
-                                    <p:set>
-                                      <p:cBhvr>
-                                        <p:cTn id="22" dur="1" fill="hold">
-                                          <p:stCondLst>
-                                            <p:cond delay="0"/>
-                                          </p:stCondLst>
-                                        </p:cTn>
-                                        <p:tgtEl>
-                                          <p:spTgt spid="3">
-                                            <p:txEl>
-                                              <p:pRg st="6" end="6"/>
-                                            </p:txEl>
-                                          </p:spTgt>
-                                        </p:tgtEl>
-                                        <p:attrNameLst>
-                                          <p:attrName>style.visibility</p:attrName>
-                                        </p:attrNameLst>
-                                      </p:cBhvr>
-                                      <p:to>
-                                        <p:strVal val="visible"/>
-                                      </p:to>
-                                    </p:set>
-                                  </p:childTnLst>
-                                </p:cTn>
-                              </p:par>
-                            </p:childTnLst>
-                          </p:cTn>
-                        </p:par>
-                      </p:childTnLst>
-                    </p:cTn>
-                  </p:par>
-                  <p:par>
-                    <p:cTn id="23" fill="hold">
-                      <p:stCondLst>
-                        <p:cond delay="indefinite"/>
-                      </p:stCondLst>
-                      <p:childTnLst>
-                        <p:par>
-                          <p:cTn id="24" fill="hold">
-                            <p:stCondLst>
-                              <p:cond delay="0"/>
-                            </p:stCondLst>
-                            <p:childTnLst>
-                              <p:par>
-                                <p:cTn id="25" presetID="1" presetClass="entr" presetSubtype="0" fill="hold" nodeType="clickEffect">
-                                  <p:stCondLst>
-                                    <p:cond delay="0"/>
-                                  </p:stCondLst>
-                                  <p:childTnLst>
-                                    <p:set>
-                                      <p:cBhvr>
-                                        <p:cTn id="26" dur="1" fill="hold">
-                                          <p:stCondLst>
-                                            <p:cond delay="0"/>
-                                          </p:stCondLst>
-                                        </p:cTn>
-                                        <p:tgtEl>
-                                          <p:spTgt spid="3">
-                                            <p:txEl>
-                                              <p:pRg st="7" end="7"/>
-                                            </p:txEl>
-                                          </p:spTgt>
-                                        </p:tgtEl>
-                                        <p:attrNameLst>
-                                          <p:attrName>style.visibility</p:attrName>
-                                        </p:attrNameLst>
-                                      </p:cBhvr>
-                                      <p:to>
-                                        <p:strVal val="visible"/>
-                                      </p:to>
-                                    </p:set>
-                                  </p:childTnLst>
-                                </p:cTn>
-                              </p:par>
-                            </p:childTnLst>
-                          </p:cTn>
-                        </p:par>
-                      </p:childTnLst>
-                    </p:cTn>
-                  </p:par>
-                  <p:par>
-                    <p:cTn id="27" fill="hold">
-                      <p:stCondLst>
-                        <p:cond delay="indefinite"/>
-                      </p:stCondLst>
-                      <p:childTnLst>
-                        <p:par>
-                          <p:cTn id="28" fill="hold">
-                            <p:stCondLst>
-                              <p:cond delay="0"/>
-                            </p:stCondLst>
-                            <p:childTnLst>
-                              <p:par>
-                                <p:cTn id="29" presetID="1" presetClass="entr" presetSubtype="0" fill="hold" nodeType="clickEffect">
-                                  <p:stCondLst>
-                                    <p:cond delay="0"/>
-                                  </p:stCondLst>
-                                  <p:childTnLst>
-                                    <p:set>
-                                      <p:cBhvr>
-                                        <p:cTn id="30" dur="1" fill="hold">
-                                          <p:stCondLst>
-                                            <p:cond delay="0"/>
-                                          </p:stCondLst>
-                                        </p:cTn>
-                                        <p:tgtEl>
-                                          <p:spTgt spid="3">
-                                            <p:txEl>
-                                              <p:pRg st="8" end="8"/>
-                                            </p:txEl>
-                                          </p:spTgt>
-                                        </p:tgtEl>
-                                        <p:attrNameLst>
-                                          <p:attrName>style.visibility</p:attrName>
-                                        </p:attrNameLst>
-                                      </p:cBhvr>
-                                      <p:to>
-                                        <p:strVal val="visible"/>
-                                      </p:to>
-                                    </p:set>
-                                  </p:childTnLst>
-                                </p:cTn>
-                              </p:par>
-                            </p:childTnLst>
-                          </p:cTn>
-                        </p:par>
-                      </p:childTnLst>
-                    </p:cTn>
-                  </p:par>
-                  <p:par>
-                    <p:cTn id="31" fill="hold">
-                      <p:stCondLst>
-                        <p:cond delay="indefinite"/>
-                      </p:stCondLst>
-                      <p:childTnLst>
-                        <p:par>
-                          <p:cTn id="32" fill="hold">
-                            <p:stCondLst>
-                              <p:cond delay="0"/>
-                            </p:stCondLst>
-                            <p:childTnLst>
-                              <p:par>
-                                <p:cTn id="33" presetID="1" presetClass="entr" presetSubtype="0" fill="hold" nodeType="clickEffect">
-                                  <p:stCondLst>
-                                    <p:cond delay="0"/>
-                                  </p:stCondLst>
-                                  <p:childTnLst>
-                                    <p:set>
-                                      <p:cBhvr>
-                                        <p:cTn id="34" dur="1" fill="hold">
-                                          <p:stCondLst>
-                                            <p:cond delay="0"/>
-                                          </p:stCondLst>
-                                        </p:cTn>
-                                        <p:tgtEl>
-                                          <p:spTgt spid="3">
-                                            <p:txEl>
-                                              <p:pRg st="9" end="9"/>
-                                            </p:txEl>
-                                          </p:spTgt>
-                                        </p:tgtEl>
-                                        <p:attrNameLst>
-                                          <p:attrName>style.visibility</p:attrName>
-                                        </p:attrNameLst>
-                                      </p:cBhvr>
-                                      <p:to>
-                                        <p:strVal val="visible"/>
-                                      </p:to>
-                                    </p:set>
-                                  </p:childTnLst>
-                                </p:cTn>
-                              </p:par>
-                            </p:childTnLst>
-                          </p:cTn>
-                        </p:par>
-                      </p:childTnLst>
-                    </p:cTn>
-                  </p:par>
-                </p:childTnLst>
-              </p:cTn>
-              <p:prevCondLst>
-                <p:cond evt="onPrev" delay="0">
-                  <p:tgtEl>
-                    <p:sldTgt/>
-                  </p:tgtEl>
-                </p:cond>
-              </p:prevCondLst>
-              <p:nextCondLst>
-                <p:cond evt="onNext" delay="0">
-                  <p:tgtEl>
-                    <p:sldTgt/>
-                  </p:tgtEl>
-                </p:cond>
-              </p:nextCondLst>
-            </p:seq>
-          </p:childTnLst>
-        </p:cTn>
-      </p:par>
-    </p:tnLst>
-  </p:timing>
-</p:sld>
-</file>
-
-<file path=ppt/slides/slide6.xml><?xml version="1.0" encoding="utf-8"?>
 <p:sld xmlns:a="http://schemas.openxmlformats.org/drawingml/2006/main" xmlns:r="http://schemas.openxmlformats.org/officeDocument/2006/relationships" xmlns:p="http://schemas.openxmlformats.org/presentationml/2006/main">
   <p:cSld>
     <p:spTree>

--- a/assets/lectures/cbw/2020/full/RNASeq_Module0_Introductions.pptx
+++ b/assets/lectures/cbw/2020/full/RNASeq_Module0_Introductions.pptx
@@ -5213,7 +5213,7 @@
         </p:nvSpPr>
         <p:spPr>
           <a:xfrm>
-            <a:off x="551384" y="908720"/>
+            <a:off x="551384" y="764704"/>
             <a:ext cx="9964216" cy="5300464"/>
           </a:xfrm>
         </p:spPr>
@@ -5231,85 +5231,88 @@
           </a:p>
           <a:p>
             <a:r>
+              <a:rPr lang="en-US" sz="2400" dirty="0"/>
+              <a:t>Do you consider yourself a bioinformatician?</a:t>
+            </a:r>
+          </a:p>
+          <a:p>
+            <a:r>
+              <a:rPr lang="en-US" sz="2400" dirty="0"/>
+              <a:t>Are you familiar with </a:t>
+            </a:r>
+            <a:r>
+              <a:rPr lang="en-US" sz="2400" dirty="0" err="1"/>
+              <a:t>linux</a:t>
+            </a:r>
+            <a:r>
+              <a:rPr lang="en-US" sz="2400" dirty="0"/>
+              <a:t>/command line?</a:t>
+            </a:r>
+          </a:p>
+          <a:p>
+            <a:pPr lvl="1"/>
+            <a:r>
               <a:rPr lang="en-US" dirty="0"/>
-              <a:t>Do you consider yourself a bioinformatician?</a:t>
-            </a:r>
-          </a:p>
-          <a:p>
+              <a:t>Intermediate? </a:t>
+            </a:r>
+          </a:p>
+          <a:p>
+            <a:pPr lvl="1"/>
             <a:r>
               <a:rPr lang="en-US" dirty="0"/>
-              <a:t>Are you familiar with </a:t>
-            </a:r>
-            <a:r>
-              <a:rPr lang="en-US" dirty="0" err="1"/>
-              <a:t>linux</a:t>
-            </a:r>
+              <a:t>Expert?</a:t>
+            </a:r>
+          </a:p>
+          <a:p>
+            <a:r>
+              <a:rPr lang="en-US" sz="2400" dirty="0"/>
+              <a:t>Do you sometimes write code?</a:t>
+            </a:r>
+          </a:p>
+          <a:p>
+            <a:r>
+              <a:rPr lang="en-US" sz="2400" dirty="0"/>
+              <a:t>Are you familiar with R?</a:t>
+            </a:r>
+          </a:p>
+          <a:p>
+            <a:pPr lvl="1"/>
             <a:r>
               <a:rPr lang="en-US" dirty="0"/>
-              <a:t>/command line?</a:t>
+              <a:t>Intermediate?</a:t>
             </a:r>
           </a:p>
           <a:p>
             <a:pPr lvl="1"/>
             <a:r>
-              <a:rPr lang="en-US" sz="2000" dirty="0"/>
-              <a:t>Intermediate? </a:t>
-            </a:r>
-          </a:p>
-          <a:p>
-            <a:pPr lvl="1"/>
-            <a:r>
-              <a:rPr lang="en-US" sz="2000" dirty="0"/>
+              <a:rPr lang="en-US" dirty="0"/>
               <a:t>Expert?</a:t>
             </a:r>
           </a:p>
           <a:p>
             <a:r>
-              <a:rPr lang="en-US" dirty="0"/>
-              <a:t>Do you sometimes write code?</a:t>
-            </a:r>
-          </a:p>
-          <a:p>
-            <a:r>
-              <a:rPr lang="en-US" dirty="0"/>
-              <a:t>Are you familiar with R?</a:t>
-            </a:r>
-          </a:p>
-          <a:p>
-            <a:pPr lvl="1"/>
-            <a:r>
-              <a:rPr lang="en-US" sz="2000" dirty="0"/>
-              <a:t>Intermediate?</a:t>
-            </a:r>
-          </a:p>
-          <a:p>
-            <a:pPr lvl="1"/>
-            <a:r>
-              <a:rPr lang="en-US" sz="2000" dirty="0"/>
-              <a:t>Expert?</a:t>
-            </a:r>
-          </a:p>
-          <a:p>
-            <a:r>
-              <a:rPr lang="en-US" dirty="0"/>
+              <a:rPr lang="en-US" sz="2400" dirty="0"/>
               <a:t>Do you use git/</a:t>
             </a:r>
             <a:r>
-              <a:rPr lang="en-US" dirty="0" err="1"/>
+              <a:rPr lang="en-US" sz="2400" dirty="0" err="1"/>
               <a:t>github</a:t>
             </a:r>
             <a:r>
-              <a:rPr lang="en-US" dirty="0"/>
+              <a:rPr lang="en-US" sz="2400" dirty="0"/>
               <a:t>?</a:t>
             </a:r>
           </a:p>
           <a:p>
-            <a:endParaRPr lang="en-US" sz="2400" dirty="0"/>
-          </a:p>
-          <a:p>
-            <a:r>
-              <a:rPr lang="en-US" dirty="0"/>
+            <a:r>
+              <a:rPr lang="en-US" sz="2400" dirty="0"/>
               <a:t>What organism do you work with?</a:t>
+            </a:r>
+          </a:p>
+          <a:p>
+            <a:r>
+              <a:rPr lang="en-US" sz="2400" dirty="0"/>
+              <a:t>Who has a dual monitor setup?</a:t>
             </a:r>
           </a:p>
         </p:txBody>
@@ -5696,6 +5699,55 @@
                                     <p:set>
                                       <p:cBhvr>
                                         <p:cTn id="34" dur="1" fill="hold">
+                                          <p:stCondLst>
+                                            <p:cond delay="0"/>
+                                          </p:stCondLst>
+                                        </p:cTn>
+                                        <p:tgtEl>
+                                          <p:spTgt spid="3">
+                                            <p:txEl>
+                                              <p:pRg st="10" end="10"/>
+                                            </p:txEl>
+                                          </p:spTgt>
+                                        </p:tgtEl>
+                                        <p:attrNameLst>
+                                          <p:attrName>style.visibility</p:attrName>
+                                        </p:attrNameLst>
+                                      </p:cBhvr>
+                                      <p:to>
+                                        <p:strVal val="visible"/>
+                                      </p:to>
+                                    </p:set>
+                                  </p:childTnLst>
+                                </p:cTn>
+                              </p:par>
+                            </p:childTnLst>
+                          </p:cTn>
+                        </p:par>
+                      </p:childTnLst>
+                    </p:cTn>
+                  </p:par>
+                  <p:par>
+                    <p:cTn id="35" fill="hold">
+                      <p:stCondLst>
+                        <p:cond delay="indefinite"/>
+                      </p:stCondLst>
+                      <p:childTnLst>
+                        <p:par>
+                          <p:cTn id="36" fill="hold">
+                            <p:stCondLst>
+                              <p:cond delay="0"/>
+                            </p:stCondLst>
+                            <p:childTnLst>
+                              <p:par>
+                                <p:cTn id="37" presetID="1" presetClass="entr" presetSubtype="0" fill="hold" nodeType="clickEffect">
+                                  <p:stCondLst>
+                                    <p:cond delay="0"/>
+                                  </p:stCondLst>
+                                  <p:childTnLst>
+                                    <p:set>
+                                      <p:cBhvr>
+                                        <p:cTn id="38" dur="1" fill="hold">
                                           <p:stCondLst>
                                             <p:cond delay="0"/>
                                           </p:stCondLst>

--- a/assets/lectures/cbw/2020/full/RNASeq_Module0_Introductions.pptx
+++ b/assets/lectures/cbw/2020/full/RNASeq_Module0_Introductions.pptx
@@ -266,7 +266,7 @@
               <a:pPr>
                 <a:defRPr/>
               </a:pPr>
-              <a:t>6/16/20</a:t>
+              <a:t>6/17/20</a:t>
             </a:fld>
             <a:endParaRPr lang="en-US"/>
           </a:p>
@@ -473,7 +473,7 @@
               <a:pPr>
                 <a:defRPr/>
               </a:pPr>
-              <a:t>6/16/20</a:t>
+              <a:t>6/17/20</a:t>
             </a:fld>
             <a:endParaRPr lang="en-US"/>
           </a:p>
@@ -1295,14 +1295,14 @@
           </a:ln>
           <a:extLst>
             <a:ext uri="{909E8E84-426E-40dd-AFC4-6F175D3DCCD1}">
-              <a14:hiddenFill xmlns:a14="http://schemas.microsoft.com/office/drawing/2010/main" xmlns="">
+              <a14:hiddenFill xmlns="" xmlns:a14="http://schemas.microsoft.com/office/drawing/2010/main">
                 <a:solidFill>
                   <a:srgbClr val="FFFFFF"/>
                 </a:solidFill>
               </a14:hiddenFill>
             </a:ext>
             <a:ext uri="{91240B29-F687-4f45-9708-019B960494DF}">
-              <a14:hiddenLine xmlns:a14="http://schemas.microsoft.com/office/drawing/2010/main" xmlns="" w="9525">
+              <a14:hiddenLine xmlns="" xmlns:a14="http://schemas.microsoft.com/office/drawing/2010/main" w="9525">
                 <a:solidFill>
                   <a:srgbClr val="000000"/>
                 </a:solidFill>
@@ -3126,14 +3126,14 @@
           </a:ln>
           <a:extLst>
             <a:ext uri="{909E8E84-426E-40dd-AFC4-6F175D3DCCD1}">
-              <a14:hiddenFill xmlns:a14="http://schemas.microsoft.com/office/drawing/2010/main" xmlns="">
+              <a14:hiddenFill xmlns="" xmlns:a14="http://schemas.microsoft.com/office/drawing/2010/main">
                 <a:solidFill>
                   <a:srgbClr val="FFFFFF"/>
                 </a:solidFill>
               </a14:hiddenFill>
             </a:ext>
             <a:ext uri="{91240B29-F687-4f45-9708-019B960494DF}">
-              <a14:hiddenLine xmlns:a14="http://schemas.microsoft.com/office/drawing/2010/main" xmlns="" w="9525">
+              <a14:hiddenLine xmlns="" xmlns:a14="http://schemas.microsoft.com/office/drawing/2010/main" w="9525">
                 <a:solidFill>
                   <a:srgbClr val="000000"/>
                 </a:solidFill>
@@ -3143,7 +3143,7 @@
               </a14:hiddenLine>
             </a:ext>
             <a:ext uri="{FAA26D3D-D897-4be2-8F04-BA451C77F1D7}">
-              <ma14:placeholderFlag xmlns:ma14="http://schemas.microsoft.com/office/mac/drawingml/2011/main" xmlns="" val="1"/>
+              <ma14:placeholderFlag xmlns="" xmlns:ma14="http://schemas.microsoft.com/office/mac/drawingml/2011/main" val="1"/>
             </a:ext>
           </a:extLst>
         </p:spPr>
@@ -3187,14 +3187,14 @@
           </a:ln>
           <a:extLst>
             <a:ext uri="{909E8E84-426E-40dd-AFC4-6F175D3DCCD1}">
-              <a14:hiddenFill xmlns:a14="http://schemas.microsoft.com/office/drawing/2010/main" xmlns="">
+              <a14:hiddenFill xmlns="" xmlns:a14="http://schemas.microsoft.com/office/drawing/2010/main">
                 <a:solidFill>
                   <a:srgbClr val="FFFFFF"/>
                 </a:solidFill>
               </a14:hiddenFill>
             </a:ext>
             <a:ext uri="{91240B29-F687-4f45-9708-019B960494DF}">
-              <a14:hiddenLine xmlns:a14="http://schemas.microsoft.com/office/drawing/2010/main" xmlns="" w="9525">
+              <a14:hiddenLine xmlns="" xmlns:a14="http://schemas.microsoft.com/office/drawing/2010/main" w="9525">
                 <a:solidFill>
                   <a:srgbClr val="000000"/>
                 </a:solidFill>
@@ -3204,7 +3204,7 @@
               </a14:hiddenLine>
             </a:ext>
             <a:ext uri="{FAA26D3D-D897-4be2-8F04-BA451C77F1D7}">
-              <ma14:placeholderFlag xmlns:ma14="http://schemas.microsoft.com/office/mac/drawingml/2011/main" xmlns="" val="1"/>
+              <ma14:placeholderFlag xmlns="" xmlns:ma14="http://schemas.microsoft.com/office/mac/drawingml/2011/main" val="1"/>
             </a:ext>
           </a:extLst>
         </p:spPr>
@@ -3340,14 +3340,14 @@
           </a:ln>
           <a:extLst>
             <a:ext uri="{909E8E84-426E-40dd-AFC4-6F175D3DCCD1}">
-              <a14:hiddenFill xmlns:a14="http://schemas.microsoft.com/office/drawing/2010/main" xmlns="">
+              <a14:hiddenFill xmlns="" xmlns:a14="http://schemas.microsoft.com/office/drawing/2010/main">
                 <a:solidFill>
                   <a:srgbClr val="FFFFFF"/>
                 </a:solidFill>
               </a14:hiddenFill>
             </a:ext>
             <a:ext uri="{91240B29-F687-4f45-9708-019B960494DF}">
-              <a14:hiddenLine xmlns:a14="http://schemas.microsoft.com/office/drawing/2010/main" xmlns="" w="9525">
+              <a14:hiddenLine xmlns="" xmlns:a14="http://schemas.microsoft.com/office/drawing/2010/main" w="9525">
                 <a:solidFill>
                   <a:srgbClr val="000000"/>
                 </a:solidFill>
@@ -4636,7 +4636,7 @@
             <a:pPr algn="ctr"/>
             <a:r>
               <a:rPr lang="en-US" sz="1800" dirty="0"/>
-              <a:t>Obi Griffith, PhD</a:t>
+              <a:t>Obi Griffith</a:t>
             </a:r>
           </a:p>
           <a:p>
@@ -4870,8 +4870,8 @@
         </p:nvSpPr>
         <p:spPr>
           <a:xfrm>
-            <a:off x="3036518" y="4469050"/>
-            <a:ext cx="2338036" cy="400110"/>
+            <a:off x="1415480" y="4437112"/>
+            <a:ext cx="5760640" cy="707886"/>
           </a:xfrm>
           <a:prstGeom prst="rect">
             <a:avLst/>
@@ -4884,15 +4884,46 @@
           </a:bodyPr>
           <a:lstStyle/>
           <a:p>
+            <a:pPr algn="ctr"/>
             <a:r>
               <a:rPr lang="en-US" sz="2000" dirty="0">
                 <a:hlinkClick r:id="rId7"/>
               </a:rPr>
-              <a:t>www.griffithlab.org</a:t>
+              <a:t>griffithlab.org</a:t>
+            </a:r>
+            <a:endParaRPr lang="en-US" sz="2000" dirty="0"/>
+          </a:p>
+          <a:p>
+            <a:pPr algn="ctr"/>
+            <a:r>
+              <a:rPr lang="en-US" sz="2000" dirty="0">
+                <a:hlinkClick r:id="rId8"/>
+              </a:rPr>
+              <a:t>rnabio.org</a:t>
             </a:r>
             <a:r>
               <a:rPr lang="en-US" sz="2000" dirty="0"/>
-              <a:t> </a:t>
+              <a:t>   </a:t>
+            </a:r>
+            <a:r>
+              <a:rPr lang="en-US" sz="2000" dirty="0">
+                <a:hlinkClick r:id="rId9"/>
+              </a:rPr>
+              <a:t>genviz.org</a:t>
+            </a:r>
+            <a:r>
+              <a:rPr lang="en-US" sz="2000" dirty="0"/>
+              <a:t>   </a:t>
+            </a:r>
+            <a:r>
+              <a:rPr lang="en-US" sz="2000" dirty="0">
+                <a:hlinkClick r:id="rId10"/>
+              </a:rPr>
+              <a:t>pmbio.org</a:t>
+            </a:r>
+            <a:r>
+              <a:rPr lang="en-US" sz="2000" dirty="0"/>
+              <a:t>   </a:t>
             </a:r>
           </a:p>
         </p:txBody>
@@ -4912,7 +4943,7 @@
           <p:nvPr/>
         </p:nvPicPr>
         <p:blipFill>
-          <a:blip r:embed="rId8">
+          <a:blip r:embed="rId11">
             <a:extLst>
               <a:ext uri="{28A0092B-C50C-407E-A947-70E740481C1C}">
                 <a14:useLocalDpi xmlns:a14="http://schemas.microsoft.com/office/drawing/2010/main" val="0"/>
@@ -4948,7 +4979,7 @@
           <p:nvPr/>
         </p:nvPicPr>
         <p:blipFill>
-          <a:blip r:embed="rId9">
+          <a:blip r:embed="rId12">
             <a:extLst>
               <a:ext uri="{28A0092B-C50C-407E-A947-70E740481C1C}">
                 <a14:useLocalDpi xmlns:a14="http://schemas.microsoft.com/office/drawing/2010/main" val="0"/>
@@ -4984,7 +5015,7 @@
           <p:nvPr/>
         </p:nvPicPr>
         <p:blipFill rotWithShape="1">
-          <a:blip r:embed="rId10">
+          <a:blip r:embed="rId13">
             <a:extLst>
               <a:ext uri="{28A0092B-C50C-407E-A947-70E740481C1C}">
                 <a14:useLocalDpi xmlns:a14="http://schemas.microsoft.com/office/drawing/2010/main" val="0"/>
@@ -5144,6 +5175,42 @@
           </a:p>
         </p:txBody>
       </p:sp>
+      <p:sp>
+        <p:nvSpPr>
+          <p:cNvPr id="3" name="TextBox 2">
+            <a:extLst>
+              <a:ext uri="{FF2B5EF4-FFF2-40B4-BE49-F238E27FC236}">
+                <a16:creationId xmlns:a16="http://schemas.microsoft.com/office/drawing/2014/main" id="{545BCC99-6F6C-D646-888E-76E55B72587B}"/>
+              </a:ext>
+            </a:extLst>
+          </p:cNvPr>
+          <p:cNvSpPr txBox="1"/>
+          <p:nvPr/>
+        </p:nvSpPr>
+        <p:spPr>
+          <a:xfrm>
+            <a:off x="8688288" y="5013176"/>
+            <a:ext cx="3240360" cy="830997"/>
+          </a:xfrm>
+          <a:prstGeom prst="rect">
+            <a:avLst/>
+          </a:prstGeom>
+          <a:noFill/>
+        </p:spPr>
+        <p:txBody>
+          <a:bodyPr wrap="square" rtlCol="0">
+            <a:spAutoFit/>
+          </a:bodyPr>
+          <a:lstStyle/>
+          <a:p>
+            <a:pPr algn="ctr"/>
+            <a:r>
+              <a:rPr lang="en-US" dirty="0"/>
+              <a:t>This will be our first virtual workshop!</a:t>
+            </a:r>
+          </a:p>
+        </p:txBody>
+      </p:sp>
     </p:spTree>
     <p:extLst>
       <p:ext uri="{BB962C8B-B14F-4D97-AF65-F5344CB8AC3E}">
@@ -5154,6 +5221,84 @@
   <p:clrMapOvr>
     <a:masterClrMapping/>
   </p:clrMapOvr>
+  <p:timing>
+    <p:tnLst>
+      <p:par>
+        <p:cTn id="1" dur="indefinite" restart="never" nodeType="tmRoot">
+          <p:childTnLst>
+            <p:seq concurrent="1" nextAc="seek">
+              <p:cTn id="2" dur="indefinite" nodeType="mainSeq">
+                <p:childTnLst>
+                  <p:par>
+                    <p:cTn id="3" fill="hold">
+                      <p:stCondLst>
+                        <p:cond delay="indefinite"/>
+                      </p:stCondLst>
+                      <p:childTnLst>
+                        <p:par>
+                          <p:cTn id="4" fill="hold">
+                            <p:stCondLst>
+                              <p:cond delay="0"/>
+                            </p:stCondLst>
+                            <p:childTnLst>
+                              <p:par>
+                                <p:cTn id="5" presetID="1" presetClass="entr" presetSubtype="0" fill="hold" grpId="0" nodeType="clickEffect">
+                                  <p:stCondLst>
+                                    <p:cond delay="0"/>
+                                  </p:stCondLst>
+                                  <p:childTnLst>
+                                    <p:set>
+                                      <p:cBhvr>
+                                        <p:cTn id="6" dur="1" fill="hold">
+                                          <p:stCondLst>
+                                            <p:cond delay="0"/>
+                                          </p:stCondLst>
+                                        </p:cTn>
+                                        <p:tgtEl>
+                                          <p:spTgt spid="3"/>
+                                        </p:tgtEl>
+                                        <p:attrNameLst>
+                                          <p:attrName>style.visibility</p:attrName>
+                                        </p:attrNameLst>
+                                      </p:cBhvr>
+                                      <p:to>
+                                        <p:strVal val="visible"/>
+                                      </p:to>
+                                    </p:set>
+                                  </p:childTnLst>
+                                </p:cTn>
+                              </p:par>
+                            </p:childTnLst>
+                          </p:cTn>
+                        </p:par>
+                      </p:childTnLst>
+                    </p:cTn>
+                  </p:par>
+                </p:childTnLst>
+              </p:cTn>
+              <p:prevCondLst>
+                <p:cond evt="onPrev" delay="0">
+                  <p:tgtEl>
+                    <p:sldTgt/>
+                  </p:tgtEl>
+                </p:cond>
+              </p:prevCondLst>
+              <p:nextCondLst>
+                <p:cond evt="onNext" delay="0">
+                  <p:tgtEl>
+                    <p:sldTgt/>
+                  </p:tgtEl>
+                </p:cond>
+              </p:nextCondLst>
+            </p:seq>
+          </p:childTnLst>
+        </p:cTn>
+      </p:par>
+    </p:tnLst>
+    <p:bldLst>
+      <p:bldP spid="3" grpId="0"/>
+    </p:bldLst>
+  </p:timing>
 </p:sld>
 </file>
 
@@ -5196,7 +5341,7 @@
           <a:p>
             <a:r>
               <a:rPr lang="en-US" dirty="0"/>
-              <a:t>Student poll continued</a:t>
+              <a:t>Student poll</a:t>
             </a:r>
           </a:p>
         </p:txBody>
@@ -5225,93 +5370,115 @@
               <a:buNone/>
             </a:pPr>
             <a:r>
-              <a:rPr lang="en-US" sz="2400" dirty="0"/>
+              <a:rPr lang="en-US" sz="2000" dirty="0"/>
               <a:t>Not counting the pre-requisites and materials for this course:</a:t>
             </a:r>
           </a:p>
           <a:p>
             <a:r>
-              <a:rPr lang="en-US" sz="2400" dirty="0"/>
+              <a:rPr lang="en-US" sz="2000" dirty="0"/>
               <a:t>Do you consider yourself a bioinformatician?</a:t>
             </a:r>
           </a:p>
           <a:p>
             <a:r>
-              <a:rPr lang="en-US" sz="2400" dirty="0"/>
+              <a:rPr lang="en-US" sz="2000" dirty="0"/>
               <a:t>Are you familiar with </a:t>
             </a:r>
             <a:r>
-              <a:rPr lang="en-US" sz="2400" dirty="0" err="1"/>
+              <a:rPr lang="en-US" sz="2000" dirty="0" err="1"/>
               <a:t>linux</a:t>
             </a:r>
             <a:r>
-              <a:rPr lang="en-US" sz="2400" dirty="0"/>
+              <a:rPr lang="en-US" sz="2000" dirty="0"/>
               <a:t>/command line?</a:t>
             </a:r>
           </a:p>
           <a:p>
             <a:pPr lvl="1"/>
             <a:r>
-              <a:rPr lang="en-US" dirty="0"/>
+              <a:rPr lang="en-US" sz="2000" dirty="0"/>
               <a:t>Intermediate? </a:t>
             </a:r>
           </a:p>
           <a:p>
             <a:pPr lvl="1"/>
             <a:r>
-              <a:rPr lang="en-US" dirty="0"/>
+              <a:rPr lang="en-US" sz="2000" dirty="0"/>
               <a:t>Expert?</a:t>
             </a:r>
           </a:p>
           <a:p>
             <a:r>
-              <a:rPr lang="en-US" sz="2400" dirty="0"/>
+              <a:rPr lang="en-US" sz="2000" dirty="0"/>
               <a:t>Do you sometimes write code?</a:t>
             </a:r>
           </a:p>
           <a:p>
             <a:r>
-              <a:rPr lang="en-US" sz="2400" dirty="0"/>
+              <a:rPr lang="en-US" sz="2000" dirty="0"/>
               <a:t>Are you familiar with R?</a:t>
             </a:r>
           </a:p>
           <a:p>
             <a:pPr lvl="1"/>
             <a:r>
-              <a:rPr lang="en-US" dirty="0"/>
+              <a:rPr lang="en-US" sz="2000" dirty="0"/>
               <a:t>Intermediate?</a:t>
             </a:r>
           </a:p>
           <a:p>
             <a:pPr lvl="1"/>
             <a:r>
-              <a:rPr lang="en-US" dirty="0"/>
+              <a:rPr lang="en-US" sz="2000" dirty="0"/>
               <a:t>Expert?</a:t>
             </a:r>
           </a:p>
           <a:p>
             <a:r>
-              <a:rPr lang="en-US" sz="2400" dirty="0"/>
+              <a:rPr lang="en-US" sz="2000" dirty="0"/>
               <a:t>Do you use git/</a:t>
             </a:r>
             <a:r>
-              <a:rPr lang="en-US" sz="2400" dirty="0" err="1"/>
+              <a:rPr lang="en-US" sz="2000" dirty="0" err="1"/>
               <a:t>github</a:t>
             </a:r>
             <a:r>
-              <a:rPr lang="en-US" sz="2400" dirty="0"/>
+              <a:rPr lang="en-US" sz="2000" dirty="0"/>
               <a:t>?</a:t>
             </a:r>
           </a:p>
           <a:p>
             <a:r>
-              <a:rPr lang="en-US" sz="2400" dirty="0"/>
+              <a:rPr lang="en-US" sz="2000" dirty="0"/>
               <a:t>What organism do you work with?</a:t>
             </a:r>
           </a:p>
           <a:p>
             <a:r>
-              <a:rPr lang="en-US" sz="2400" dirty="0"/>
+              <a:rPr lang="en-US" sz="2000" dirty="0"/>
+              <a:t>Are you interested in bulk </a:t>
+            </a:r>
+            <a:r>
+              <a:rPr lang="en-US" sz="2000" dirty="0" err="1"/>
+              <a:t>RNAseq</a:t>
+            </a:r>
+            <a:r>
+              <a:rPr lang="en-US" sz="2000" dirty="0"/>
+              <a:t> (Yes), </a:t>
+            </a:r>
+            <a:r>
+              <a:rPr lang="en-US" sz="2000" dirty="0" err="1"/>
+              <a:t>scRNAseq</a:t>
+            </a:r>
+            <a:r>
+              <a:rPr lang="en-US" sz="2000" dirty="0"/>
+              <a:t> (No), or both (hand)?</a:t>
+            </a:r>
+          </a:p>
+          <a:p>
+            <a:r>
+              <a:rPr lang="en-US" sz="2000" dirty="0"/>
               <a:t>Who has a dual monitor setup?</a:t>
             </a:r>
           </a:p>
@@ -5776,6 +5943,55 @@
                       </p:childTnLst>
                     </p:cTn>
                   </p:par>
+                  <p:par>
+                    <p:cTn id="39" fill="hold">
+                      <p:stCondLst>
+                        <p:cond delay="indefinite"/>
+                      </p:stCondLst>
+                      <p:childTnLst>
+                        <p:par>
+                          <p:cTn id="40" fill="hold">
+                            <p:stCondLst>
+                              <p:cond delay="0"/>
+                            </p:stCondLst>
+                            <p:childTnLst>
+                              <p:par>
+                                <p:cTn id="41" presetID="1" presetClass="entr" presetSubtype="0" fill="hold" nodeType="clickEffect">
+                                  <p:stCondLst>
+                                    <p:cond delay="0"/>
+                                  </p:stCondLst>
+                                  <p:childTnLst>
+                                    <p:set>
+                                      <p:cBhvr>
+                                        <p:cTn id="42" dur="1" fill="hold">
+                                          <p:stCondLst>
+                                            <p:cond delay="0"/>
+                                          </p:stCondLst>
+                                        </p:cTn>
+                                        <p:tgtEl>
+                                          <p:spTgt spid="3">
+                                            <p:txEl>
+                                              <p:pRg st="12" end="12"/>
+                                            </p:txEl>
+                                          </p:spTgt>
+                                        </p:tgtEl>
+                                        <p:attrNameLst>
+                                          <p:attrName>style.visibility</p:attrName>
+                                        </p:attrNameLst>
+                                      </p:cBhvr>
+                                      <p:to>
+                                        <p:strVal val="visible"/>
+                                      </p:to>
+                                    </p:set>
+                                  </p:childTnLst>
+                                </p:cTn>
+                              </p:par>
+                            </p:childTnLst>
+                          </p:cTn>
+                        </p:par>
+                      </p:childTnLst>
+                    </p:cTn>
+                  </p:par>
                 </p:childTnLst>
               </p:cTn>
               <p:prevCondLst>
@@ -5865,10 +6081,10 @@
               <a:buNone/>
             </a:pPr>
             <a:r>
-              <a:rPr lang="en-US"/>
+              <a:rPr lang="en-US" dirty="0"/>
               <a:t>We are on a Coffee Break &amp; Networking Session</a:t>
             </a:r>
-            <a:endParaRPr/>
+            <a:endParaRPr dirty="0"/>
           </a:p>
         </p:txBody>
       </p:sp>
